--- a/2024-02-12/03_remote_access_nginx_proxy_manager.pptx
+++ b/2024-02-12/03_remote_access_nginx_proxy_manager.pptx
@@ -324,7 +324,7 @@
               <a:pPr>
                 <a:defRPr/>
               </a:pPr>
-              <a:t>07.02.2024</a:t>
+              <a:t>30.03.2024</a:t>
             </a:fld>
             <a:endParaRPr lang="de-AT"/>
           </a:p>
@@ -539,7 +539,7 @@
               <a:pPr>
                 <a:defRPr/>
               </a:pPr>
-              <a:t>07.02.2024</a:t>
+              <a:t>30.03.2024</a:t>
             </a:fld>
             <a:endParaRPr lang="de-AT"/>
           </a:p>
@@ -8985,6 +8985,12 @@
               <a:t> sichern</a:t>
             </a:r>
           </a:p>
+          <a:p>
+            <a:r>
+              <a:rPr lang="de-AT" dirty="0"/>
+              <a:t>IP-Adresse von HA</a:t>
+            </a:r>
+          </a:p>
         </p:txBody>
       </p:sp>
       <p:pic>
@@ -9009,7 +9015,7 @@
         </p:blipFill>
         <p:spPr>
           <a:xfrm>
-            <a:off x="0" y="2116165"/>
+            <a:off x="0" y="2780928"/>
             <a:ext cx="9144000" cy="3473075"/>
           </a:xfrm>
           <a:prstGeom prst="rect">
